--- a/images/SAIR-mainpage.pptx
+++ b/images/SAIR-mainpage.pptx
@@ -6,6 +6,7 @@
   </p:sldMasterIdLst>
   <p:sldIdLst>
     <p:sldId id="256" r:id="rId2"/>
+    <p:sldId id="257" r:id="rId3"/>
   </p:sldIdLst>
   <p:sldSz cx="12192000" cy="6858000"/>
   <p:notesSz cx="6858000" cy="9144000"/>
@@ -259,7 +260,7 @@
           <a:p>
             <a:fld id="{982E9D0A-32D3-4643-9398-1C21902BAD47}" type="datetimeFigureOut">
               <a:rPr lang="en-US" smtClean="0"/>
-              <a:t>8/29/2023</a:t>
+              <a:t>9/2/2023</a:t>
             </a:fld>
             <a:endParaRPr lang="en-US"/>
           </a:p>
@@ -457,7 +458,7 @@
           <a:p>
             <a:fld id="{982E9D0A-32D3-4643-9398-1C21902BAD47}" type="datetimeFigureOut">
               <a:rPr lang="en-US" smtClean="0"/>
-              <a:t>8/29/2023</a:t>
+              <a:t>9/2/2023</a:t>
             </a:fld>
             <a:endParaRPr lang="en-US"/>
           </a:p>
@@ -665,7 +666,7 @@
           <a:p>
             <a:fld id="{982E9D0A-32D3-4643-9398-1C21902BAD47}" type="datetimeFigureOut">
               <a:rPr lang="en-US" smtClean="0"/>
-              <a:t>8/29/2023</a:t>
+              <a:t>9/2/2023</a:t>
             </a:fld>
             <a:endParaRPr lang="en-US"/>
           </a:p>
@@ -863,7 +864,7 @@
           <a:p>
             <a:fld id="{982E9D0A-32D3-4643-9398-1C21902BAD47}" type="datetimeFigureOut">
               <a:rPr lang="en-US" smtClean="0"/>
-              <a:t>8/29/2023</a:t>
+              <a:t>9/2/2023</a:t>
             </a:fld>
             <a:endParaRPr lang="en-US"/>
           </a:p>
@@ -1138,7 +1139,7 @@
           <a:p>
             <a:fld id="{982E9D0A-32D3-4643-9398-1C21902BAD47}" type="datetimeFigureOut">
               <a:rPr lang="en-US" smtClean="0"/>
-              <a:t>8/29/2023</a:t>
+              <a:t>9/2/2023</a:t>
             </a:fld>
             <a:endParaRPr lang="en-US"/>
           </a:p>
@@ -1403,7 +1404,7 @@
           <a:p>
             <a:fld id="{982E9D0A-32D3-4643-9398-1C21902BAD47}" type="datetimeFigureOut">
               <a:rPr lang="en-US" smtClean="0"/>
-              <a:t>8/29/2023</a:t>
+              <a:t>9/2/2023</a:t>
             </a:fld>
             <a:endParaRPr lang="en-US"/>
           </a:p>
@@ -1815,7 +1816,7 @@
           <a:p>
             <a:fld id="{982E9D0A-32D3-4643-9398-1C21902BAD47}" type="datetimeFigureOut">
               <a:rPr lang="en-US" smtClean="0"/>
-              <a:t>8/29/2023</a:t>
+              <a:t>9/2/2023</a:t>
             </a:fld>
             <a:endParaRPr lang="en-US"/>
           </a:p>
@@ -1956,7 +1957,7 @@
           <a:p>
             <a:fld id="{982E9D0A-32D3-4643-9398-1C21902BAD47}" type="datetimeFigureOut">
               <a:rPr lang="en-US" smtClean="0"/>
-              <a:t>8/29/2023</a:t>
+              <a:t>9/2/2023</a:t>
             </a:fld>
             <a:endParaRPr lang="en-US"/>
           </a:p>
@@ -2069,7 +2070,7 @@
           <a:p>
             <a:fld id="{982E9D0A-32D3-4643-9398-1C21902BAD47}" type="datetimeFigureOut">
               <a:rPr lang="en-US" smtClean="0"/>
-              <a:t>8/29/2023</a:t>
+              <a:t>9/2/2023</a:t>
             </a:fld>
             <a:endParaRPr lang="en-US"/>
           </a:p>
@@ -2380,7 +2381,7 @@
           <a:p>
             <a:fld id="{982E9D0A-32D3-4643-9398-1C21902BAD47}" type="datetimeFigureOut">
               <a:rPr lang="en-US" smtClean="0"/>
-              <a:t>8/29/2023</a:t>
+              <a:t>9/2/2023</a:t>
             </a:fld>
             <a:endParaRPr lang="en-US"/>
           </a:p>
@@ -2668,7 +2669,7 @@
           <a:p>
             <a:fld id="{982E9D0A-32D3-4643-9398-1C21902BAD47}" type="datetimeFigureOut">
               <a:rPr lang="en-US" smtClean="0"/>
-              <a:t>8/29/2023</a:t>
+              <a:t>9/2/2023</a:t>
             </a:fld>
             <a:endParaRPr lang="en-US"/>
           </a:p>
@@ -2909,7 +2910,7 @@
           <a:p>
             <a:fld id="{982E9D0A-32D3-4643-9398-1C21902BAD47}" type="datetimeFigureOut">
               <a:rPr lang="en-US" smtClean="0"/>
-              <a:t>8/29/2023</a:t>
+              <a:t>9/2/2023</a:t>
             </a:fld>
             <a:endParaRPr lang="en-US"/>
           </a:p>
@@ -3354,7 +3355,7 @@
         </p:blipFill>
         <p:spPr>
           <a:xfrm>
-            <a:off x="8573332" y="1510626"/>
+            <a:off x="8573332" y="1588260"/>
             <a:ext cx="2172257" cy="2172257"/>
           </a:xfrm>
           <a:prstGeom prst="rect">
@@ -3377,13 +3378,13 @@
           <p:nvPr>
             <p:extLst>
               <p:ext uri="{D42A27DB-BD31-4B8C-83A1-F6EECF244321}">
-                <p14:modId xmlns:p14="http://schemas.microsoft.com/office/powerpoint/2010/main" val="913621520"/>
+                <p14:modId xmlns:p14="http://schemas.microsoft.com/office/powerpoint/2010/main" val="3963314949"/>
               </p:ext>
             </p:extLst>
           </p:nvPr>
         </p:nvGraphicFramePr>
         <p:xfrm>
-          <a:off x="957632" y="743849"/>
+          <a:off x="957632" y="821483"/>
           <a:ext cx="10034615" cy="3297915"/>
         </p:xfrm>
         <a:graphic>
@@ -4133,7 +4134,7 @@
         </p:nvSpPr>
         <p:spPr>
           <a:xfrm>
-            <a:off x="905879" y="3721986"/>
+            <a:off x="905879" y="3799620"/>
             <a:ext cx="10258899" cy="461665"/>
           </a:xfrm>
           <a:prstGeom prst="rect">
@@ -4259,7 +4260,7 @@
         </p:blipFill>
         <p:spPr>
           <a:xfrm>
-            <a:off x="8514138" y="752474"/>
+            <a:off x="8514138" y="830108"/>
             <a:ext cx="2187131" cy="725295"/>
           </a:xfrm>
           <a:prstGeom prst="rect">
@@ -4295,7 +4296,7 @@
         </p:blipFill>
         <p:spPr>
           <a:xfrm>
-            <a:off x="6016408" y="1558286"/>
+            <a:off x="6016408" y="1635920"/>
             <a:ext cx="2103240" cy="2103240"/>
           </a:xfrm>
           <a:prstGeom prst="rect">
@@ -4325,7 +4326,7 @@
         </p:blipFill>
         <p:spPr>
           <a:xfrm>
-            <a:off x="5999155" y="845003"/>
+            <a:off x="5999155" y="922637"/>
             <a:ext cx="1493632" cy="624140"/>
           </a:xfrm>
           <a:prstGeom prst="rect">
@@ -4360,7 +4361,7 @@
         </p:blipFill>
         <p:spPr>
           <a:xfrm>
-            <a:off x="1024080" y="750129"/>
+            <a:off x="1024080" y="827763"/>
             <a:ext cx="764969" cy="733834"/>
           </a:xfrm>
           <a:prstGeom prst="rect">
@@ -4382,7 +4383,7 @@
         </p:nvSpPr>
         <p:spPr>
           <a:xfrm>
-            <a:off x="1771614" y="921829"/>
+            <a:off x="1771614" y="999463"/>
             <a:ext cx="904769" cy="461665"/>
           </a:xfrm>
           <a:prstGeom prst="rect">
@@ -4431,7 +4432,7 @@
         </p:blipFill>
         <p:spPr>
           <a:xfrm>
-            <a:off x="957636" y="1516847"/>
+            <a:off x="957636" y="1594481"/>
             <a:ext cx="2144680" cy="2144680"/>
           </a:xfrm>
           <a:prstGeom prst="rect">
@@ -4467,7 +4468,7 @@
         </p:blipFill>
         <p:spPr>
           <a:xfrm>
-            <a:off x="3495646" y="1516846"/>
+            <a:off x="3495646" y="1594480"/>
             <a:ext cx="2144680" cy="2144680"/>
           </a:xfrm>
           <a:prstGeom prst="rect">
@@ -4497,7 +4498,7 @@
         </p:blipFill>
         <p:spPr>
           <a:xfrm>
-            <a:off x="3528485" y="1549124"/>
+            <a:off x="3528485" y="1626758"/>
             <a:ext cx="2111841" cy="2111841"/>
           </a:xfrm>
           <a:prstGeom prst="rect">
@@ -4532,7 +4533,7 @@
         </p:blipFill>
         <p:spPr bwMode="auto">
           <a:xfrm>
-            <a:off x="3544229" y="845003"/>
+            <a:off x="3544229" y="922637"/>
             <a:ext cx="1802922" cy="568823"/>
           </a:xfrm>
           <a:prstGeom prst="rect">
@@ -4564,8 +4565,8 @@
         </p:nvSpPr>
         <p:spPr>
           <a:xfrm>
-            <a:off x="1194002" y="-220945"/>
-            <a:ext cx="9483306" cy="861774"/>
+            <a:off x="957632" y="-182212"/>
+            <a:ext cx="10768214" cy="923330"/>
           </a:xfrm>
           <a:prstGeom prst="rect">
             <a:avLst/>
@@ -4588,7 +4589,7 @@
           </a:p>
           <a:p>
             <a:r>
-              <a:rPr lang="en-US" sz="3200" b="1" dirty="0">
+              <a:rPr lang="en-US" sz="3400" b="1" dirty="0">
                 <a:latin typeface="Arial" panose="020B0604020202020204" pitchFamily="34" charset="0"/>
                 <a:cs typeface="Arial" panose="020B0604020202020204" pitchFamily="34" charset="0"/>
               </a:rPr>
@@ -4612,13 +4613,13 @@
           <p:nvPr>
             <p:extLst>
               <p:ext uri="{D42A27DB-BD31-4B8C-83A1-F6EECF244321}">
-                <p14:modId xmlns:p14="http://schemas.microsoft.com/office/powerpoint/2010/main" val="3593381988"/>
+                <p14:modId xmlns:p14="http://schemas.microsoft.com/office/powerpoint/2010/main" val="3927238732"/>
               </p:ext>
             </p:extLst>
           </p:nvPr>
         </p:nvGraphicFramePr>
         <p:xfrm>
-          <a:off x="957632" y="4206287"/>
+          <a:off x="957632" y="4283921"/>
           <a:ext cx="10034615" cy="2520437"/>
         </p:xfrm>
         <a:graphic>
@@ -5137,7 +5138,7 @@
         </p:nvSpPr>
         <p:spPr>
           <a:xfrm>
-            <a:off x="8594447" y="4172165"/>
+            <a:off x="8594447" y="4249799"/>
             <a:ext cx="2214220" cy="523220"/>
           </a:xfrm>
           <a:prstGeom prst="rect">
@@ -5187,7 +5188,7 @@
         </p:nvSpPr>
         <p:spPr>
           <a:xfrm>
-            <a:off x="6024116" y="4175785"/>
+            <a:off x="6024116" y="4253419"/>
             <a:ext cx="2214220" cy="523220"/>
           </a:xfrm>
           <a:prstGeom prst="rect">
@@ -5237,7 +5238,7 @@
         </p:nvSpPr>
         <p:spPr>
           <a:xfrm>
-            <a:off x="984503" y="4172165"/>
+            <a:off x="984503" y="4249799"/>
             <a:ext cx="2214220" cy="523220"/>
           </a:xfrm>
           <a:prstGeom prst="rect">
@@ -5287,7 +5288,7 @@
         </p:nvSpPr>
         <p:spPr>
           <a:xfrm>
-            <a:off x="3477295" y="4191749"/>
+            <a:off x="3477295" y="4269383"/>
             <a:ext cx="2214220" cy="523220"/>
           </a:xfrm>
           <a:prstGeom prst="rect">
@@ -5345,7 +5346,7 @@
         </p:blipFill>
         <p:spPr>
           <a:xfrm>
-            <a:off x="6226451" y="4733858"/>
+            <a:off x="6226451" y="4811492"/>
             <a:ext cx="1950047" cy="1950047"/>
           </a:xfrm>
           <a:prstGeom prst="rect">
@@ -5381,7 +5382,7 @@
         </p:blipFill>
         <p:spPr>
           <a:xfrm>
-            <a:off x="1150844" y="4741314"/>
+            <a:off x="1150844" y="4818948"/>
             <a:ext cx="1909777" cy="1909777"/>
           </a:xfrm>
           <a:prstGeom prst="rect">
@@ -5417,7 +5418,7 @@
         </p:blipFill>
         <p:spPr>
           <a:xfrm>
-            <a:off x="8751221" y="4741314"/>
+            <a:off x="8751221" y="4818948"/>
             <a:ext cx="1950048" cy="1950048"/>
           </a:xfrm>
           <a:prstGeom prst="rect">
@@ -5453,7 +5454,7 @@
         </p:blipFill>
         <p:spPr>
           <a:xfrm>
-            <a:off x="3701682" y="4752798"/>
+            <a:off x="3701682" y="4830432"/>
             <a:ext cx="1950046" cy="1950046"/>
           </a:xfrm>
           <a:prstGeom prst="rect">
@@ -5465,6 +5466,119 @@
     <p:extLst>
       <p:ext uri="{BB962C8B-B14F-4D97-AF65-F5344CB8AC3E}">
         <p14:creationId xmlns:p14="http://schemas.microsoft.com/office/powerpoint/2010/main" val="1608799459"/>
+      </p:ext>
+    </p:extLst>
+  </p:cSld>
+  <p:clrMapOvr>
+    <a:masterClrMapping/>
+  </p:clrMapOvr>
+</p:sld>
+</file>
+
+<file path=ppt/slides/slide2.xml><?xml version="1.0" encoding="utf-8"?>
+<p:sld xmlns:a="http://schemas.openxmlformats.org/drawingml/2006/main" xmlns:r="http://schemas.openxmlformats.org/officeDocument/2006/relationships" xmlns:p="http://schemas.openxmlformats.org/presentationml/2006/main">
+  <p:cSld>
+    <p:spTree>
+      <p:nvGrpSpPr>
+        <p:cNvPr id="1" name=""/>
+        <p:cNvGrpSpPr/>
+        <p:nvPr/>
+      </p:nvGrpSpPr>
+      <p:grpSpPr>
+        <a:xfrm>
+          <a:off x="0" y="0"/>
+          <a:ext cx="0" cy="0"/>
+          <a:chOff x="0" y="0"/>
+          <a:chExt cx="0" cy="0"/>
+        </a:xfrm>
+      </p:grpSpPr>
+      <p:pic>
+        <p:nvPicPr>
+          <p:cNvPr id="3" name="Picture 2" descr="A qr code with different symbols&#10;&#10;Description automatically generated">
+            <a:extLst>
+              <a:ext uri="{FF2B5EF4-FFF2-40B4-BE49-F238E27FC236}">
+                <a16:creationId xmlns:a16="http://schemas.microsoft.com/office/drawing/2014/main" id="{9730D29C-279D-ED14-1DD9-EC88E08988DA}"/>
+              </a:ext>
+            </a:extLst>
+          </p:cNvPr>
+          <p:cNvPicPr>
+            <a:picLocks noChangeAspect="1"/>
+          </p:cNvPicPr>
+          <p:nvPr/>
+        </p:nvPicPr>
+        <p:blipFill>
+          <a:blip r:embed="rId2">
+            <a:extLst>
+              <a:ext uri="{28A0092B-C50C-407E-A947-70E740481C1C}">
+                <a14:useLocalDpi xmlns:a14="http://schemas.microsoft.com/office/drawing/2010/main" val="0"/>
+              </a:ext>
+            </a:extLst>
+          </a:blip>
+          <a:stretch>
+            <a:fillRect/>
+          </a:stretch>
+        </p:blipFill>
+        <p:spPr>
+          <a:xfrm>
+            <a:off x="1451850" y="1259469"/>
+            <a:ext cx="8711325" cy="5189379"/>
+          </a:xfrm>
+          <a:prstGeom prst="rect">
+            <a:avLst/>
+          </a:prstGeom>
+        </p:spPr>
+      </p:pic>
+      <p:sp>
+        <p:nvSpPr>
+          <p:cNvPr id="4" name="TextBox 3">
+            <a:extLst>
+              <a:ext uri="{FF2B5EF4-FFF2-40B4-BE49-F238E27FC236}">
+                <a16:creationId xmlns:a16="http://schemas.microsoft.com/office/drawing/2014/main" id="{7D884F0D-8278-448B-31DF-C5822C9E21DB}"/>
+              </a:ext>
+            </a:extLst>
+          </p:cNvPr>
+          <p:cNvSpPr txBox="1"/>
+          <p:nvPr/>
+        </p:nvSpPr>
+        <p:spPr>
+          <a:xfrm>
+            <a:off x="1614857" y="189263"/>
+            <a:ext cx="8395918" cy="738664"/>
+          </a:xfrm>
+          <a:prstGeom prst="rect">
+            <a:avLst/>
+          </a:prstGeom>
+          <a:noFill/>
+        </p:spPr>
+        <p:txBody>
+          <a:bodyPr wrap="square">
+            <a:spAutoFit/>
+          </a:bodyPr>
+          <a:lstStyle/>
+          <a:p>
+            <a:endParaRPr lang="en-US" sz="1400" b="1" dirty="0">
+              <a:solidFill>
+                <a:srgbClr val="333333"/>
+              </a:solidFill>
+              <a:latin typeface="Arial" panose="020B0604020202020204" pitchFamily="34" charset="0"/>
+              <a:cs typeface="Arial" panose="020B0604020202020204" pitchFamily="34" charset="0"/>
+            </a:endParaRPr>
+          </a:p>
+          <a:p>
+            <a:r>
+              <a:rPr lang="en-US" sz="2800" b="1" dirty="0">
+                <a:latin typeface="Arial" panose="020B0604020202020204" pitchFamily="34" charset="0"/>
+                <a:cs typeface="Arial" panose="020B0604020202020204" pitchFamily="34" charset="0"/>
+              </a:rPr>
+              <a:t>Society of artificial intelligence Research (SAIR)</a:t>
+            </a:r>
+          </a:p>
+        </p:txBody>
+      </p:sp>
+    </p:spTree>
+    <p:extLst>
+      <p:ext uri="{BB962C8B-B14F-4D97-AF65-F5344CB8AC3E}">
+        <p14:creationId xmlns:p14="http://schemas.microsoft.com/office/powerpoint/2010/main" val="663719163"/>
       </p:ext>
     </p:extLst>
   </p:cSld>

--- a/images/SAIR-mainpage.pptx
+++ b/images/SAIR-mainpage.pptx
@@ -260,7 +260,7 @@
           <a:p>
             <a:fld id="{982E9D0A-32D3-4643-9398-1C21902BAD47}" type="datetimeFigureOut">
               <a:rPr lang="en-US" smtClean="0"/>
-              <a:t>9/2/2023</a:t>
+              <a:t>11/11/2023</a:t>
             </a:fld>
             <a:endParaRPr lang="en-US"/>
           </a:p>
@@ -458,7 +458,7 @@
           <a:p>
             <a:fld id="{982E9D0A-32D3-4643-9398-1C21902BAD47}" type="datetimeFigureOut">
               <a:rPr lang="en-US" smtClean="0"/>
-              <a:t>9/2/2023</a:t>
+              <a:t>11/11/2023</a:t>
             </a:fld>
             <a:endParaRPr lang="en-US"/>
           </a:p>
@@ -666,7 +666,7 @@
           <a:p>
             <a:fld id="{982E9D0A-32D3-4643-9398-1C21902BAD47}" type="datetimeFigureOut">
               <a:rPr lang="en-US" smtClean="0"/>
-              <a:t>9/2/2023</a:t>
+              <a:t>11/11/2023</a:t>
             </a:fld>
             <a:endParaRPr lang="en-US"/>
           </a:p>
@@ -864,7 +864,7 @@
           <a:p>
             <a:fld id="{982E9D0A-32D3-4643-9398-1C21902BAD47}" type="datetimeFigureOut">
               <a:rPr lang="en-US" smtClean="0"/>
-              <a:t>9/2/2023</a:t>
+              <a:t>11/11/2023</a:t>
             </a:fld>
             <a:endParaRPr lang="en-US"/>
           </a:p>
@@ -1139,7 +1139,7 @@
           <a:p>
             <a:fld id="{982E9D0A-32D3-4643-9398-1C21902BAD47}" type="datetimeFigureOut">
               <a:rPr lang="en-US" smtClean="0"/>
-              <a:t>9/2/2023</a:t>
+              <a:t>11/11/2023</a:t>
             </a:fld>
             <a:endParaRPr lang="en-US"/>
           </a:p>
@@ -1404,7 +1404,7 @@
           <a:p>
             <a:fld id="{982E9D0A-32D3-4643-9398-1C21902BAD47}" type="datetimeFigureOut">
               <a:rPr lang="en-US" smtClean="0"/>
-              <a:t>9/2/2023</a:t>
+              <a:t>11/11/2023</a:t>
             </a:fld>
             <a:endParaRPr lang="en-US"/>
           </a:p>
@@ -1816,7 +1816,7 @@
           <a:p>
             <a:fld id="{982E9D0A-32D3-4643-9398-1C21902BAD47}" type="datetimeFigureOut">
               <a:rPr lang="en-US" smtClean="0"/>
-              <a:t>9/2/2023</a:t>
+              <a:t>11/11/2023</a:t>
             </a:fld>
             <a:endParaRPr lang="en-US"/>
           </a:p>
@@ -1957,7 +1957,7 @@
           <a:p>
             <a:fld id="{982E9D0A-32D3-4643-9398-1C21902BAD47}" type="datetimeFigureOut">
               <a:rPr lang="en-US" smtClean="0"/>
-              <a:t>9/2/2023</a:t>
+              <a:t>11/11/2023</a:t>
             </a:fld>
             <a:endParaRPr lang="en-US"/>
           </a:p>
@@ -2070,7 +2070,7 @@
           <a:p>
             <a:fld id="{982E9D0A-32D3-4643-9398-1C21902BAD47}" type="datetimeFigureOut">
               <a:rPr lang="en-US" smtClean="0"/>
-              <a:t>9/2/2023</a:t>
+              <a:t>11/11/2023</a:t>
             </a:fld>
             <a:endParaRPr lang="en-US"/>
           </a:p>
@@ -2381,7 +2381,7 @@
           <a:p>
             <a:fld id="{982E9D0A-32D3-4643-9398-1C21902BAD47}" type="datetimeFigureOut">
               <a:rPr lang="en-US" smtClean="0"/>
-              <a:t>9/2/2023</a:t>
+              <a:t>11/11/2023</a:t>
             </a:fld>
             <a:endParaRPr lang="en-US"/>
           </a:p>
@@ -2669,7 +2669,7 @@
           <a:p>
             <a:fld id="{982E9D0A-32D3-4643-9398-1C21902BAD47}" type="datetimeFigureOut">
               <a:rPr lang="en-US" smtClean="0"/>
-              <a:t>9/2/2023</a:t>
+              <a:t>11/11/2023</a:t>
             </a:fld>
             <a:endParaRPr lang="en-US"/>
           </a:p>
@@ -2910,7 +2910,7 @@
           <a:p>
             <a:fld id="{982E9D0A-32D3-4643-9398-1C21902BAD47}" type="datetimeFigureOut">
               <a:rPr lang="en-US" smtClean="0"/>
-              <a:t>9/2/2023</a:t>
+              <a:t>11/11/2023</a:t>
             </a:fld>
             <a:endParaRPr lang="en-US"/>
           </a:p>
